--- a/Chap/DB/Presentations/DBNormalisation.pptx
+++ b/Chap/DB/Presentations/DBNormalisation.pptx
@@ -258,7 +258,7 @@
           <a:p>
             <a:fld id="{E15B7D8E-2A20-4C0E-991C-872DBB7459A8}" type="datetimeFigureOut">
               <a:rPr lang="da-DK" smtClean="0"/>
-              <a:t>10-09-2018</a:t>
+              <a:t>29-09-2018</a:t>
             </a:fld>
             <a:endParaRPr lang="da-DK"/>
           </a:p>
@@ -428,7 +428,7 @@
           <a:p>
             <a:fld id="{E15B7D8E-2A20-4C0E-991C-872DBB7459A8}" type="datetimeFigureOut">
               <a:rPr lang="da-DK" smtClean="0"/>
-              <a:t>10-09-2018</a:t>
+              <a:t>29-09-2018</a:t>
             </a:fld>
             <a:endParaRPr lang="da-DK"/>
           </a:p>
@@ -608,7 +608,7 @@
           <a:p>
             <a:fld id="{E15B7D8E-2A20-4C0E-991C-872DBB7459A8}" type="datetimeFigureOut">
               <a:rPr lang="da-DK" smtClean="0"/>
-              <a:t>10-09-2018</a:t>
+              <a:t>29-09-2018</a:t>
             </a:fld>
             <a:endParaRPr lang="da-DK"/>
           </a:p>
@@ -778,7 +778,7 @@
           <a:p>
             <a:fld id="{E15B7D8E-2A20-4C0E-991C-872DBB7459A8}" type="datetimeFigureOut">
               <a:rPr lang="da-DK" smtClean="0"/>
-              <a:t>10-09-2018</a:t>
+              <a:t>29-09-2018</a:t>
             </a:fld>
             <a:endParaRPr lang="da-DK"/>
           </a:p>
@@ -1024,7 +1024,7 @@
           <a:p>
             <a:fld id="{E15B7D8E-2A20-4C0E-991C-872DBB7459A8}" type="datetimeFigureOut">
               <a:rPr lang="da-DK" smtClean="0"/>
-              <a:t>10-09-2018</a:t>
+              <a:t>29-09-2018</a:t>
             </a:fld>
             <a:endParaRPr lang="da-DK"/>
           </a:p>
@@ -1256,7 +1256,7 @@
           <a:p>
             <a:fld id="{E15B7D8E-2A20-4C0E-991C-872DBB7459A8}" type="datetimeFigureOut">
               <a:rPr lang="da-DK" smtClean="0"/>
-              <a:t>10-09-2018</a:t>
+              <a:t>29-09-2018</a:t>
             </a:fld>
             <a:endParaRPr lang="da-DK"/>
           </a:p>
@@ -1623,7 +1623,7 @@
           <a:p>
             <a:fld id="{E15B7D8E-2A20-4C0E-991C-872DBB7459A8}" type="datetimeFigureOut">
               <a:rPr lang="da-DK" smtClean="0"/>
-              <a:t>10-09-2018</a:t>
+              <a:t>29-09-2018</a:t>
             </a:fld>
             <a:endParaRPr lang="da-DK"/>
           </a:p>
@@ -1741,7 +1741,7 @@
           <a:p>
             <a:fld id="{E15B7D8E-2A20-4C0E-991C-872DBB7459A8}" type="datetimeFigureOut">
               <a:rPr lang="da-DK" smtClean="0"/>
-              <a:t>10-09-2018</a:t>
+              <a:t>29-09-2018</a:t>
             </a:fld>
             <a:endParaRPr lang="da-DK"/>
           </a:p>
@@ -1836,7 +1836,7 @@
           <a:p>
             <a:fld id="{E15B7D8E-2A20-4C0E-991C-872DBB7459A8}" type="datetimeFigureOut">
               <a:rPr lang="da-DK" smtClean="0"/>
-              <a:t>10-09-2018</a:t>
+              <a:t>29-09-2018</a:t>
             </a:fld>
             <a:endParaRPr lang="da-DK"/>
           </a:p>
@@ -2113,7 +2113,7 @@
           <a:p>
             <a:fld id="{E15B7D8E-2A20-4C0E-991C-872DBB7459A8}" type="datetimeFigureOut">
               <a:rPr lang="da-DK" smtClean="0"/>
-              <a:t>10-09-2018</a:t>
+              <a:t>29-09-2018</a:t>
             </a:fld>
             <a:endParaRPr lang="da-DK"/>
           </a:p>
@@ -2366,7 +2366,7 @@
           <a:p>
             <a:fld id="{E15B7D8E-2A20-4C0E-991C-872DBB7459A8}" type="datetimeFigureOut">
               <a:rPr lang="da-DK" smtClean="0"/>
-              <a:t>10-09-2018</a:t>
+              <a:t>29-09-2018</a:t>
             </a:fld>
             <a:endParaRPr lang="da-DK"/>
           </a:p>
@@ -2579,7 +2579,7 @@
           <a:p>
             <a:fld id="{E15B7D8E-2A20-4C0E-991C-872DBB7459A8}" type="datetimeFigureOut">
               <a:rPr lang="da-DK" smtClean="0"/>
-              <a:t>10-09-2018</a:t>
+              <a:t>29-09-2018</a:t>
             </a:fld>
             <a:endParaRPr lang="da-DK"/>
           </a:p>
@@ -3147,7 +3147,6 @@
               <a:rPr lang="da-DK" sz="2800" smtClean="0"/>
               <a:t> columns in the primary key</a:t>
             </a:r>
-            <a:endParaRPr lang="da-DK" sz="2800" smtClean="0"/>
           </a:p>
         </p:txBody>
       </p:sp>
@@ -3731,16 +3730,6 @@
                         </a:rPr>
                         <a:t>112</a:t>
                       </a:r>
-                      <a:endParaRPr kumimoji="0" lang="da-DK" sz="1800" b="0" i="0" u="none" strike="noStrike" cap="none" normalizeH="0" baseline="0" smtClean="0">
-                        <a:ln>
-                          <a:noFill/>
-                        </a:ln>
-                        <a:solidFill>
-                          <a:schemeClr val="tx1"/>
-                        </a:solidFill>
-                        <a:effectLst/>
-                        <a:latin typeface="+mn-lt"/>
-                      </a:endParaRPr>
                     </a:p>
                   </a:txBody>
                   <a:tcPr horzOverflow="overflow">
@@ -3983,16 +3972,6 @@
                         </a:rPr>
                         <a:t>112</a:t>
                       </a:r>
-                      <a:endParaRPr kumimoji="0" lang="da-DK" sz="1800" b="0" i="0" u="none" strike="noStrike" cap="none" normalizeH="0" baseline="0" smtClean="0">
-                        <a:ln>
-                          <a:noFill/>
-                        </a:ln>
-                        <a:solidFill>
-                          <a:schemeClr val="tx1"/>
-                        </a:solidFill>
-                        <a:effectLst/>
-                        <a:latin typeface="+mn-lt"/>
-                      </a:endParaRPr>
                     </a:p>
                   </a:txBody>
                   <a:tcPr horzOverflow="overflow">
@@ -4235,16 +4214,6 @@
                         </a:rPr>
                         <a:t>106</a:t>
                       </a:r>
-                      <a:endParaRPr kumimoji="0" lang="da-DK" sz="1800" b="0" i="0" u="none" strike="noStrike" cap="none" normalizeH="0" baseline="0" smtClean="0">
-                        <a:ln>
-                          <a:noFill/>
-                        </a:ln>
-                        <a:solidFill>
-                          <a:schemeClr val="tx1"/>
-                        </a:solidFill>
-                        <a:effectLst/>
-                        <a:latin typeface="+mn-lt"/>
-                      </a:endParaRPr>
                     </a:p>
                   </a:txBody>
                   <a:tcPr horzOverflow="overflow">
@@ -4487,16 +4456,6 @@
                         </a:rPr>
                         <a:t>98</a:t>
                       </a:r>
-                      <a:endParaRPr kumimoji="0" lang="da-DK" sz="1800" b="0" i="0" u="none" strike="noStrike" cap="none" normalizeH="0" baseline="0" smtClean="0">
-                        <a:ln>
-                          <a:noFill/>
-                        </a:ln>
-                        <a:solidFill>
-                          <a:schemeClr val="tx1"/>
-                        </a:solidFill>
-                        <a:effectLst/>
-                        <a:latin typeface="+mn-lt"/>
-                      </a:endParaRPr>
                     </a:p>
                   </a:txBody>
                   <a:tcPr horzOverflow="overflow">
@@ -4739,16 +4698,6 @@
                         </a:rPr>
                         <a:t>98</a:t>
                       </a:r>
-                      <a:endParaRPr kumimoji="0" lang="da-DK" sz="1800" b="0" i="0" u="none" strike="noStrike" cap="none" normalizeH="0" baseline="0" smtClean="0">
-                        <a:ln>
-                          <a:noFill/>
-                        </a:ln>
-                        <a:solidFill>
-                          <a:schemeClr val="tx1"/>
-                        </a:solidFill>
-                        <a:effectLst/>
-                        <a:latin typeface="+mn-lt"/>
-                      </a:endParaRPr>
                     </a:p>
                   </a:txBody>
                   <a:tcPr horzOverflow="overflow">
@@ -5169,7 +5118,6 @@
               <a:rPr lang="da-DK" sz="2800" smtClean="0"/>
               <a:t> columns in the primary key</a:t>
             </a:r>
-            <a:endParaRPr lang="da-DK" sz="2800" smtClean="0"/>
           </a:p>
         </p:txBody>
       </p:sp>
@@ -6349,7 +6297,7 @@
           <p:nvPr>
             <p:extLst>
               <p:ext uri="{D42A27DB-BD31-4B8C-83A1-F6EECF244321}">
-                <p14:modId xmlns:p14="http://schemas.microsoft.com/office/powerpoint/2010/main" val="53116797"/>
+                <p14:modId xmlns:p14="http://schemas.microsoft.com/office/powerpoint/2010/main" val="294759664"/>
               </p:ext>
             </p:extLst>
           </p:nvPr>
@@ -6496,7 +6444,7 @@
                       <a:pPr algn="ctr"/>
                       <a:r>
                         <a:rPr lang="da-DK" sz="1800" b="1" smtClean="0"/>
-                        <a:t>movie_id</a:t>
+                        <a:t>id</a:t>
                       </a:r>
                       <a:endParaRPr lang="da-DK" sz="1800" b="1"/>
                     </a:p>
@@ -7180,13 +7128,13 @@
   <p:clrMapOvr>
     <a:masterClrMapping/>
   </p:clrMapOvr>
-  <mc:AlternateContent xmlns:mc="http://schemas.openxmlformats.org/markup-compatibility/2006">
-    <mc:Choice xmlns:p14="http://schemas.microsoft.com/office/powerpoint/2010/main" Requires="p14">
+  <mc:AlternateContent xmlns:mc="http://schemas.openxmlformats.org/markup-compatibility/2006" xmlns:p14="http://schemas.microsoft.com/office/powerpoint/2010/main">
+    <mc:Choice Requires="p14">
       <p:transition spd="med" p14:dur="700">
         <p:fade/>
       </p:transition>
     </mc:Choice>
-    <mc:Fallback>
+    <mc:Fallback xmlns="">
       <p:transition spd="med">
         <p:fade/>
       </p:transition>
@@ -7393,7 +7341,6 @@
               <a:rPr lang="da-DK" sz="2800" smtClean="0"/>
               <a:t> value in another non-primary-key column</a:t>
             </a:r>
-            <a:endParaRPr lang="da-DK" sz="2800" smtClean="0"/>
           </a:p>
         </p:txBody>
       </p:sp>
@@ -7406,7 +7353,7 @@
           <p:nvPr>
             <p:extLst>
               <p:ext uri="{D42A27DB-BD31-4B8C-83A1-F6EECF244321}">
-                <p14:modId xmlns:p14="http://schemas.microsoft.com/office/powerpoint/2010/main" val="938386108"/>
+                <p14:modId xmlns:p14="http://schemas.microsoft.com/office/powerpoint/2010/main" val="59748475"/>
               </p:ext>
             </p:extLst>
           </p:nvPr>
@@ -7675,7 +7622,7 @@
                       <a:pPr algn="ctr"/>
                       <a:r>
                         <a:rPr lang="da-DK" sz="1800" b="1" smtClean="0"/>
-                        <a:t>restaurant_id</a:t>
+                        <a:t>id</a:t>
                       </a:r>
                       <a:endParaRPr lang="da-DK" sz="1800" b="1"/>
                     </a:p>
@@ -8004,16 +7951,6 @@
                         </a:rPr>
                         <a:t>Hovedvejen 224</a:t>
                       </a:r>
-                      <a:endParaRPr kumimoji="0" lang="da-DK" sz="1800" b="0" i="0" u="none" strike="noStrike" cap="none" normalizeH="0" baseline="0" smtClean="0">
-                        <a:ln>
-                          <a:noFill/>
-                        </a:ln>
-                        <a:solidFill>
-                          <a:schemeClr val="tx1"/>
-                        </a:solidFill>
-                        <a:effectLst/>
-                        <a:latin typeface="+mn-lt"/>
-                      </a:endParaRPr>
                     </a:p>
                   </a:txBody>
                   <a:tcPr horzOverflow="overflow">
@@ -8090,16 +8027,6 @@
                         </a:rPr>
                         <a:t>4000</a:t>
                       </a:r>
-                      <a:endParaRPr kumimoji="0" lang="da-DK" sz="1800" b="0" i="0" u="none" strike="noStrike" cap="none" normalizeH="0" baseline="0" smtClean="0">
-                        <a:ln>
-                          <a:noFill/>
-                        </a:ln>
-                        <a:solidFill>
-                          <a:schemeClr val="tx1"/>
-                        </a:solidFill>
-                        <a:effectLst/>
-                        <a:latin typeface="+mn-lt"/>
-                      </a:endParaRPr>
                     </a:p>
                   </a:txBody>
                   <a:tcPr horzOverflow="overflow">
@@ -8175,16 +8102,6 @@
                         </a:rPr>
                         <a:t>Roskilde</a:t>
                       </a:r>
-                      <a:endParaRPr kumimoji="0" lang="da-DK" sz="1800" b="0" i="0" u="none" strike="noStrike" cap="none" normalizeH="0" baseline="0" smtClean="0">
-                        <a:ln>
-                          <a:noFill/>
-                        </a:ln>
-                        <a:solidFill>
-                          <a:schemeClr val="tx1"/>
-                        </a:solidFill>
-                        <a:effectLst/>
-                        <a:latin typeface="+mn-lt"/>
-                      </a:endParaRPr>
                     </a:p>
                   </a:txBody>
                   <a:tcPr horzOverflow="overflow">
@@ -8267,16 +8184,6 @@
                         </a:rPr>
                         <a:t>2</a:t>
                       </a:r>
-                      <a:endParaRPr kumimoji="0" lang="da-DK" sz="1800" b="0" i="0" u="none" strike="noStrike" cap="none" normalizeH="0" baseline="0" smtClean="0">
-                        <a:ln>
-                          <a:noFill/>
-                        </a:ln>
-                        <a:solidFill>
-                          <a:schemeClr val="tx1"/>
-                        </a:solidFill>
-                        <a:effectLst/>
-                        <a:latin typeface="+mn-lt"/>
-                      </a:endParaRPr>
                     </a:p>
                   </a:txBody>
                   <a:tcPr horzOverflow="overflow">
@@ -8357,16 +8264,6 @@
                         </a:rPr>
                         <a:t>Algade 67</a:t>
                       </a:r>
-                      <a:endParaRPr kumimoji="0" lang="da-DK" sz="1800" b="0" i="0" u="none" strike="noStrike" cap="none" normalizeH="0" baseline="0" smtClean="0">
-                        <a:ln>
-                          <a:noFill/>
-                        </a:ln>
-                        <a:solidFill>
-                          <a:schemeClr val="tx1"/>
-                        </a:solidFill>
-                        <a:effectLst/>
-                        <a:latin typeface="+mn-lt"/>
-                      </a:endParaRPr>
                     </a:p>
                   </a:txBody>
                   <a:tcPr horzOverflow="overflow">
@@ -8600,16 +8497,6 @@
                         </a:rPr>
                         <a:t>3</a:t>
                       </a:r>
-                      <a:endParaRPr kumimoji="0" lang="da-DK" sz="1800" b="0" i="0" u="none" strike="noStrike" cap="none" normalizeH="0" baseline="0" smtClean="0">
-                        <a:ln>
-                          <a:noFill/>
-                        </a:ln>
-                        <a:solidFill>
-                          <a:schemeClr val="tx1"/>
-                        </a:solidFill>
-                        <a:effectLst/>
-                        <a:latin typeface="+mn-lt"/>
-                      </a:endParaRPr>
                     </a:p>
                   </a:txBody>
                   <a:tcPr horzOverflow="overflow">
@@ -8690,16 +8577,6 @@
                         </a:rPr>
                         <a:t>Tempovej 18</a:t>
                       </a:r>
-                      <a:endParaRPr kumimoji="0" lang="da-DK" sz="1800" b="0" i="0" u="none" strike="noStrike" cap="none" normalizeH="0" baseline="0" smtClean="0">
-                        <a:ln>
-                          <a:noFill/>
-                        </a:ln>
-                        <a:solidFill>
-                          <a:schemeClr val="tx1"/>
-                        </a:solidFill>
-                        <a:effectLst/>
-                        <a:latin typeface="+mn-lt"/>
-                      </a:endParaRPr>
                     </a:p>
                   </a:txBody>
                   <a:tcPr horzOverflow="overflow">
@@ -8776,16 +8653,6 @@
                         </a:rPr>
                         <a:t>2750</a:t>
                       </a:r>
-                      <a:endParaRPr kumimoji="0" lang="da-DK" sz="1800" b="0" i="0" u="none" strike="noStrike" cap="none" normalizeH="0" baseline="0" smtClean="0">
-                        <a:ln>
-                          <a:noFill/>
-                        </a:ln>
-                        <a:solidFill>
-                          <a:schemeClr val="tx1"/>
-                        </a:solidFill>
-                        <a:effectLst/>
-                        <a:latin typeface="+mn-lt"/>
-                      </a:endParaRPr>
                     </a:p>
                   </a:txBody>
                   <a:tcPr horzOverflow="overflow">
@@ -8861,16 +8728,6 @@
                         </a:rPr>
                         <a:t>Ballerup</a:t>
                       </a:r>
-                      <a:endParaRPr kumimoji="0" lang="da-DK" sz="1800" b="0" i="0" u="none" strike="noStrike" cap="none" normalizeH="0" baseline="0" smtClean="0">
-                        <a:ln>
-                          <a:noFill/>
-                        </a:ln>
-                        <a:solidFill>
-                          <a:schemeClr val="tx1"/>
-                        </a:solidFill>
-                        <a:effectLst/>
-                        <a:latin typeface="+mn-lt"/>
-                      </a:endParaRPr>
                     </a:p>
                   </a:txBody>
                   <a:tcPr horzOverflow="overflow">
@@ -9155,11 +9012,7 @@
             </a:r>
             <a:r>
               <a:rPr lang="da-DK" sz="3200"/>
-              <a:t>non-primary-key </a:t>
-            </a:r>
-            <a:r>
-              <a:rPr lang="da-DK" sz="3200"/>
-              <a:t>value </a:t>
+              <a:t>non-primary-key value </a:t>
             </a:r>
             <a:r>
               <a:rPr lang="da-DK" sz="3200" b="1" smtClean="0"/>
@@ -9429,7 +9282,6 @@
               <a:rPr lang="da-DK" sz="2800" smtClean="0"/>
               <a:t> value in another non-primary-key column</a:t>
             </a:r>
-            <a:endParaRPr lang="da-DK" sz="2800" smtClean="0"/>
           </a:p>
         </p:txBody>
       </p:sp>
@@ -9442,7 +9294,7 @@
           <p:nvPr>
             <p:extLst>
               <p:ext uri="{D42A27DB-BD31-4B8C-83A1-F6EECF244321}">
-                <p14:modId xmlns:p14="http://schemas.microsoft.com/office/powerpoint/2010/main" val="3894531841"/>
+                <p14:modId xmlns:p14="http://schemas.microsoft.com/office/powerpoint/2010/main" val="3493204651"/>
               </p:ext>
             </p:extLst>
           </p:nvPr>
@@ -9644,7 +9496,7 @@
                       <a:pPr algn="ctr"/>
                       <a:r>
                         <a:rPr lang="da-DK" sz="1800" b="1" smtClean="0"/>
-                        <a:t>restaurant_id</a:t>
+                        <a:t>id</a:t>
                       </a:r>
                       <a:endParaRPr lang="da-DK" sz="1800" b="1"/>
                     </a:p>
@@ -11238,13 +11090,13 @@
   <p:clrMapOvr>
     <a:masterClrMapping/>
   </p:clrMapOvr>
-  <mc:AlternateContent xmlns:mc="http://schemas.openxmlformats.org/markup-compatibility/2006">
-    <mc:Choice xmlns:p14="http://schemas.microsoft.com/office/powerpoint/2010/main" Requires="p14">
+  <mc:AlternateContent xmlns:mc="http://schemas.openxmlformats.org/markup-compatibility/2006" xmlns:p14="http://schemas.microsoft.com/office/powerpoint/2010/main">
+    <mc:Choice Requires="p14">
       <p:transition spd="med" p14:dur="700">
         <p:fade/>
       </p:transition>
     </mc:Choice>
-    <mc:Fallback>
+    <mc:Fallback xmlns="">
       <p:transition spd="med">
         <p:fade/>
       </p:transition>
@@ -11575,7 +11427,6 @@
               <a:rPr lang="da-DK" sz="3200" b="1" smtClean="0"/>
               <a:t>update anomalies</a:t>
             </a:r>
-            <a:endParaRPr lang="da-DK" sz="3200" b="1" smtClean="0"/>
           </a:p>
         </p:txBody>
       </p:sp>
@@ -11625,7 +11476,7 @@
           <p:nvPr>
             <p:extLst>
               <p:ext uri="{D42A27DB-BD31-4B8C-83A1-F6EECF244321}">
-                <p14:modId xmlns:p14="http://schemas.microsoft.com/office/powerpoint/2010/main" val="420404624"/>
+                <p14:modId xmlns:p14="http://schemas.microsoft.com/office/powerpoint/2010/main" val="3461925755"/>
               </p:ext>
             </p:extLst>
           </p:nvPr>
@@ -11882,7 +11733,7 @@
                       <a:pPr algn="ctr"/>
                       <a:r>
                         <a:rPr lang="da-DK" sz="2400" b="1" smtClean="0"/>
-                        <a:t>employee_id</a:t>
+                        <a:t>id</a:t>
                       </a:r>
                       <a:endParaRPr lang="da-DK" sz="2400" b="1"/>
                     </a:p>
@@ -12262,14 +12113,6 @@
                         </a:rPr>
                         <a:t>1</a:t>
                       </a:r>
-                      <a:endParaRPr lang="da-DK" sz="1800" kern="1200" smtClean="0">
-                        <a:solidFill>
-                          <a:schemeClr val="tx1"/>
-                        </a:solidFill>
-                        <a:latin typeface="+mn-lt"/>
-                        <a:ea typeface="+mn-ea"/>
-                        <a:cs typeface="+mn-cs"/>
-                      </a:endParaRPr>
                     </a:p>
                   </a:txBody>
                   <a:tcPr horzOverflow="overflow">
@@ -12343,14 +12186,6 @@
                         </a:rPr>
                         <a:t>Solvej 23, 4000 Roskilde</a:t>
                       </a:r>
-                      <a:endParaRPr lang="da-DK" sz="1800" kern="1200" smtClean="0">
-                        <a:solidFill>
-                          <a:schemeClr val="tx1"/>
-                        </a:solidFill>
-                        <a:latin typeface="+mn-lt"/>
-                        <a:ea typeface="+mn-ea"/>
-                        <a:cs typeface="+mn-cs"/>
-                      </a:endParaRPr>
                     </a:p>
                   </a:txBody>
                   <a:tcPr horzOverflow="overflow">
@@ -12431,14 +12266,6 @@
                         </a:rPr>
                         <a:t>2</a:t>
                       </a:r>
-                      <a:endParaRPr lang="da-DK" sz="1800" kern="1200" smtClean="0">
-                        <a:solidFill>
-                          <a:schemeClr val="tx1"/>
-                        </a:solidFill>
-                        <a:latin typeface="+mn-lt"/>
-                        <a:ea typeface="+mn-ea"/>
-                        <a:cs typeface="+mn-cs"/>
-                      </a:endParaRPr>
                     </a:p>
                   </a:txBody>
                   <a:tcPr horzOverflow="overflow">
@@ -12517,14 +12344,6 @@
                         </a:rPr>
                         <a:t>Mira Holm</a:t>
                       </a:r>
-                      <a:endParaRPr lang="da-DK" sz="1800" kern="1200" smtClean="0">
-                        <a:solidFill>
-                          <a:schemeClr val="tx1"/>
-                        </a:solidFill>
-                        <a:latin typeface="+mn-lt"/>
-                        <a:ea typeface="+mn-ea"/>
-                        <a:cs typeface="+mn-cs"/>
-                      </a:endParaRPr>
                     </a:p>
                   </a:txBody>
                   <a:tcPr horzOverflow="overflow">
@@ -12598,14 +12417,6 @@
                         </a:rPr>
                         <a:t>2</a:t>
                       </a:r>
-                      <a:endParaRPr lang="da-DK" sz="1800" kern="1200" smtClean="0">
-                        <a:solidFill>
-                          <a:schemeClr val="tx1"/>
-                        </a:solidFill>
-                        <a:latin typeface="+mn-lt"/>
-                        <a:ea typeface="+mn-ea"/>
-                        <a:cs typeface="+mn-cs"/>
-                      </a:endParaRPr>
                     </a:p>
                   </a:txBody>
                   <a:tcPr horzOverflow="overflow">
@@ -12679,14 +12490,6 @@
                         </a:rPr>
                         <a:t>Allegade 43, 2000 Frederiskberg</a:t>
                       </a:r>
-                      <a:endParaRPr lang="da-DK" sz="1800" kern="1200" smtClean="0">
-                        <a:solidFill>
-                          <a:schemeClr val="tx1"/>
-                        </a:solidFill>
-                        <a:latin typeface="+mn-lt"/>
-                        <a:ea typeface="+mn-ea"/>
-                        <a:cs typeface="+mn-cs"/>
-                      </a:endParaRPr>
                     </a:p>
                   </a:txBody>
                   <a:tcPr horzOverflow="overflow">
@@ -12767,14 +12570,6 @@
                         </a:rPr>
                         <a:t>3</a:t>
                       </a:r>
-                      <a:endParaRPr lang="da-DK" sz="1800" kern="1200" smtClean="0">
-                        <a:solidFill>
-                          <a:schemeClr val="tx1"/>
-                        </a:solidFill>
-                        <a:latin typeface="+mn-lt"/>
-                        <a:ea typeface="+mn-ea"/>
-                        <a:cs typeface="+mn-cs"/>
-                      </a:endParaRPr>
                     </a:p>
                   </a:txBody>
                   <a:tcPr horzOverflow="overflow">
@@ -12853,14 +12648,6 @@
                         </a:rPr>
                         <a:t>Alex Svensson</a:t>
                       </a:r>
-                      <a:endParaRPr lang="da-DK" sz="1800" kern="1200" smtClean="0">
-                        <a:solidFill>
-                          <a:schemeClr val="tx1"/>
-                        </a:solidFill>
-                        <a:latin typeface="+mn-lt"/>
-                        <a:ea typeface="+mn-ea"/>
-                        <a:cs typeface="+mn-cs"/>
-                      </a:endParaRPr>
                     </a:p>
                   </a:txBody>
                   <a:tcPr horzOverflow="overflow">
@@ -12934,14 +12721,6 @@
                         </a:rPr>
                         <a:t>1</a:t>
                       </a:r>
-                      <a:endParaRPr lang="da-DK" sz="1800" kern="1200" smtClean="0">
-                        <a:solidFill>
-                          <a:schemeClr val="tx1"/>
-                        </a:solidFill>
-                        <a:latin typeface="+mn-lt"/>
-                        <a:ea typeface="+mn-ea"/>
-                        <a:cs typeface="+mn-cs"/>
-                      </a:endParaRPr>
                     </a:p>
                   </a:txBody>
                   <a:tcPr horzOverflow="overflow">
@@ -13096,14 +12875,6 @@
                         </a:rPr>
                         <a:t>4</a:t>
                       </a:r>
-                      <a:endParaRPr lang="da-DK" sz="1800" kern="1200" smtClean="0">
-                        <a:solidFill>
-                          <a:schemeClr val="tx1"/>
-                        </a:solidFill>
-                        <a:latin typeface="+mn-lt"/>
-                        <a:ea typeface="+mn-ea"/>
-                        <a:cs typeface="+mn-cs"/>
-                      </a:endParaRPr>
                     </a:p>
                   </a:txBody>
                   <a:tcPr horzOverflow="overflow">
@@ -13182,14 +12953,6 @@
                         </a:rPr>
                         <a:t>Steven Risch</a:t>
                       </a:r>
-                      <a:endParaRPr lang="da-DK" sz="1800" kern="1200" smtClean="0">
-                        <a:solidFill>
-                          <a:schemeClr val="tx1"/>
-                        </a:solidFill>
-                        <a:latin typeface="+mn-lt"/>
-                        <a:ea typeface="+mn-ea"/>
-                        <a:cs typeface="+mn-cs"/>
-                      </a:endParaRPr>
                     </a:p>
                   </a:txBody>
                   <a:tcPr horzOverflow="overflow">
@@ -13263,14 +13026,6 @@
                         </a:rPr>
                         <a:t>2</a:t>
                       </a:r>
-                      <a:endParaRPr lang="da-DK" sz="1800" kern="1200" smtClean="0">
-                        <a:solidFill>
-                          <a:schemeClr val="tx1"/>
-                        </a:solidFill>
-                        <a:latin typeface="+mn-lt"/>
-                        <a:ea typeface="+mn-ea"/>
-                        <a:cs typeface="+mn-cs"/>
-                      </a:endParaRPr>
                     </a:p>
                   </a:txBody>
                   <a:tcPr horzOverflow="overflow">
@@ -13344,14 +13099,6 @@
                         </a:rPr>
                         <a:t>Allegade 43, 2000 Frederiskberg</a:t>
                       </a:r>
-                      <a:endParaRPr lang="da-DK" sz="1800" kern="1200" smtClean="0">
-                        <a:solidFill>
-                          <a:schemeClr val="tx1"/>
-                        </a:solidFill>
-                        <a:latin typeface="+mn-lt"/>
-                        <a:ea typeface="+mn-ea"/>
-                        <a:cs typeface="+mn-cs"/>
-                      </a:endParaRPr>
                     </a:p>
                   </a:txBody>
                   <a:tcPr horzOverflow="overflow">
@@ -13432,14 +13179,6 @@
                         </a:rPr>
                         <a:t>5</a:t>
                       </a:r>
-                      <a:endParaRPr lang="da-DK" sz="1800" kern="1200" smtClean="0">
-                        <a:solidFill>
-                          <a:schemeClr val="tx1"/>
-                        </a:solidFill>
-                        <a:latin typeface="+mn-lt"/>
-                        <a:ea typeface="+mn-ea"/>
-                        <a:cs typeface="+mn-cs"/>
-                      </a:endParaRPr>
                     </a:p>
                   </a:txBody>
                   <a:tcPr horzOverflow="overflow">
@@ -13518,14 +13257,6 @@
                         </a:rPr>
                         <a:t>Joanne Høegh</a:t>
                       </a:r>
-                      <a:endParaRPr lang="da-DK" sz="1800" kern="1200" smtClean="0">
-                        <a:solidFill>
-                          <a:schemeClr val="tx1"/>
-                        </a:solidFill>
-                        <a:latin typeface="+mn-lt"/>
-                        <a:ea typeface="+mn-ea"/>
-                        <a:cs typeface="+mn-cs"/>
-                      </a:endParaRPr>
                     </a:p>
                   </a:txBody>
                   <a:tcPr horzOverflow="overflow">
@@ -13599,14 +13330,6 @@
                         </a:rPr>
                         <a:t>3</a:t>
                       </a:r>
-                      <a:endParaRPr lang="da-DK" sz="1800" kern="1200" smtClean="0">
-                        <a:solidFill>
-                          <a:schemeClr val="tx1"/>
-                        </a:solidFill>
-                        <a:latin typeface="+mn-lt"/>
-                        <a:ea typeface="+mn-ea"/>
-                        <a:cs typeface="+mn-cs"/>
-                      </a:endParaRPr>
                     </a:p>
                   </a:txBody>
                   <a:tcPr horzOverflow="overflow">
@@ -13680,14 +13403,6 @@
                         </a:rPr>
                         <a:t>Bygaden 11, 2750 Ballerup</a:t>
                       </a:r>
-                      <a:endParaRPr lang="da-DK" sz="1800" kern="1200" smtClean="0">
-                        <a:solidFill>
-                          <a:schemeClr val="tx1"/>
-                        </a:solidFill>
-                        <a:latin typeface="+mn-lt"/>
-                        <a:ea typeface="+mn-ea"/>
-                        <a:cs typeface="+mn-cs"/>
-                      </a:endParaRPr>
                     </a:p>
                   </a:txBody>
                   <a:tcPr horzOverflow="overflow">
@@ -13768,14 +13483,6 @@
                         </a:rPr>
                         <a:t>6</a:t>
                       </a:r>
-                      <a:endParaRPr lang="da-DK" sz="1800" kern="1200" smtClean="0">
-                        <a:solidFill>
-                          <a:schemeClr val="tx1"/>
-                        </a:solidFill>
-                        <a:latin typeface="+mn-lt"/>
-                        <a:ea typeface="+mn-ea"/>
-                        <a:cs typeface="+mn-cs"/>
-                      </a:endParaRPr>
                     </a:p>
                   </a:txBody>
                   <a:tcPr horzOverflow="overflow">
@@ -13854,14 +13561,6 @@
                         </a:rPr>
                         <a:t>Hannah Lind</a:t>
                       </a:r>
-                      <a:endParaRPr lang="da-DK" sz="1800" kern="1200" smtClean="0">
-                        <a:solidFill>
-                          <a:schemeClr val="tx1"/>
-                        </a:solidFill>
-                        <a:latin typeface="+mn-lt"/>
-                        <a:ea typeface="+mn-ea"/>
-                        <a:cs typeface="+mn-cs"/>
-                      </a:endParaRPr>
                     </a:p>
                   </a:txBody>
                   <a:tcPr horzOverflow="overflow">
@@ -13935,14 +13634,6 @@
                         </a:rPr>
                         <a:t>3</a:t>
                       </a:r>
-                      <a:endParaRPr lang="da-DK" sz="1800" kern="1200" smtClean="0">
-                        <a:solidFill>
-                          <a:schemeClr val="tx1"/>
-                        </a:solidFill>
-                        <a:latin typeface="+mn-lt"/>
-                        <a:ea typeface="+mn-ea"/>
-                        <a:cs typeface="+mn-cs"/>
-                      </a:endParaRPr>
                     </a:p>
                   </a:txBody>
                   <a:tcPr horzOverflow="overflow">
@@ -14016,14 +13707,6 @@
                         </a:rPr>
                         <a:t>Bygaden 11, 2750 Ballerup</a:t>
                       </a:r>
-                      <a:endParaRPr lang="da-DK" sz="1800" kern="1200" smtClean="0">
-                        <a:solidFill>
-                          <a:schemeClr val="tx1"/>
-                        </a:solidFill>
-                        <a:latin typeface="+mn-lt"/>
-                        <a:ea typeface="+mn-ea"/>
-                        <a:cs typeface="+mn-cs"/>
-                      </a:endParaRPr>
                     </a:p>
                   </a:txBody>
                   <a:tcPr horzOverflow="overflow">
@@ -14104,14 +13787,6 @@
                         </a:rPr>
                         <a:t>7</a:t>
                       </a:r>
-                      <a:endParaRPr lang="da-DK" sz="1800" kern="1200" smtClean="0">
-                        <a:solidFill>
-                          <a:schemeClr val="tx1"/>
-                        </a:solidFill>
-                        <a:latin typeface="+mn-lt"/>
-                        <a:ea typeface="+mn-ea"/>
-                        <a:cs typeface="+mn-cs"/>
-                      </a:endParaRPr>
                     </a:p>
                   </a:txBody>
                   <a:tcPr horzOverflow="overflow">
@@ -14190,14 +13865,6 @@
                         </a:rPr>
                         <a:t>Susanne Larsen</a:t>
                       </a:r>
-                      <a:endParaRPr lang="da-DK" sz="1800" kern="1200" smtClean="0">
-                        <a:solidFill>
-                          <a:schemeClr val="tx1"/>
-                        </a:solidFill>
-                        <a:latin typeface="+mn-lt"/>
-                        <a:ea typeface="+mn-ea"/>
-                        <a:cs typeface="+mn-cs"/>
-                      </a:endParaRPr>
                     </a:p>
                   </a:txBody>
                   <a:tcPr horzOverflow="overflow">
@@ -14271,14 +13938,6 @@
                         </a:rPr>
                         <a:t>1</a:t>
                       </a:r>
-                      <a:endParaRPr lang="da-DK" sz="1800" kern="1200" smtClean="0">
-                        <a:solidFill>
-                          <a:schemeClr val="tx1"/>
-                        </a:solidFill>
-                        <a:latin typeface="+mn-lt"/>
-                        <a:ea typeface="+mn-ea"/>
-                        <a:cs typeface="+mn-cs"/>
-                      </a:endParaRPr>
                     </a:p>
                   </a:txBody>
                   <a:tcPr horzOverflow="overflow">
@@ -14450,7 +14109,7 @@
           <p:nvPr>
             <p:extLst>
               <p:ext uri="{D42A27DB-BD31-4B8C-83A1-F6EECF244321}">
-                <p14:modId xmlns:p14="http://schemas.microsoft.com/office/powerpoint/2010/main" val="2300722765"/>
+                <p14:modId xmlns:p14="http://schemas.microsoft.com/office/powerpoint/2010/main" val="160655891"/>
               </p:ext>
             </p:extLst>
           </p:nvPr>
@@ -14710,7 +14369,7 @@
                       <a:pPr algn="ctr"/>
                       <a:r>
                         <a:rPr lang="da-DK" sz="2400" b="1" smtClean="0"/>
-                        <a:t>employee_id</a:t>
+                        <a:t>id</a:t>
                       </a:r>
                       <a:endParaRPr lang="da-DK" sz="2400" b="1"/>
                     </a:p>
@@ -15090,14 +14749,6 @@
                         </a:rPr>
                         <a:t>1</a:t>
                       </a:r>
-                      <a:endParaRPr lang="da-DK" sz="1800" kern="1200" smtClean="0">
-                        <a:solidFill>
-                          <a:schemeClr val="tx1"/>
-                        </a:solidFill>
-                        <a:latin typeface="+mn-lt"/>
-                        <a:ea typeface="+mn-ea"/>
-                        <a:cs typeface="+mn-cs"/>
-                      </a:endParaRPr>
                     </a:p>
                   </a:txBody>
                   <a:tcPr horzOverflow="overflow">
@@ -15171,14 +14822,6 @@
                         </a:rPr>
                         <a:t>Solvej 23, 4000 Roskilde</a:t>
                       </a:r>
-                      <a:endParaRPr lang="da-DK" sz="1800" b="1" kern="1200" smtClean="0">
-                        <a:solidFill>
-                          <a:srgbClr val="FF0000"/>
-                        </a:solidFill>
-                        <a:latin typeface="+mn-lt"/>
-                        <a:ea typeface="+mn-ea"/>
-                        <a:cs typeface="+mn-cs"/>
-                      </a:endParaRPr>
                     </a:p>
                   </a:txBody>
                   <a:tcPr horzOverflow="overflow">
@@ -15259,14 +14902,6 @@
                         </a:rPr>
                         <a:t>2</a:t>
                       </a:r>
-                      <a:endParaRPr lang="da-DK" sz="1800" kern="1200" smtClean="0">
-                        <a:solidFill>
-                          <a:schemeClr val="tx1"/>
-                        </a:solidFill>
-                        <a:latin typeface="+mn-lt"/>
-                        <a:ea typeface="+mn-ea"/>
-                        <a:cs typeface="+mn-cs"/>
-                      </a:endParaRPr>
                     </a:p>
                   </a:txBody>
                   <a:tcPr horzOverflow="overflow">
@@ -15345,14 +14980,6 @@
                         </a:rPr>
                         <a:t>Mira Holm</a:t>
                       </a:r>
-                      <a:endParaRPr lang="da-DK" sz="1800" kern="1200" smtClean="0">
-                        <a:solidFill>
-                          <a:schemeClr val="tx1"/>
-                        </a:solidFill>
-                        <a:latin typeface="+mn-lt"/>
-                        <a:ea typeface="+mn-ea"/>
-                        <a:cs typeface="+mn-cs"/>
-                      </a:endParaRPr>
                     </a:p>
                   </a:txBody>
                   <a:tcPr horzOverflow="overflow">
@@ -15426,14 +15053,6 @@
                         </a:rPr>
                         <a:t>2</a:t>
                       </a:r>
-                      <a:endParaRPr lang="da-DK" sz="1800" kern="1200" smtClean="0">
-                        <a:solidFill>
-                          <a:schemeClr val="tx1"/>
-                        </a:solidFill>
-                        <a:latin typeface="+mn-lt"/>
-                        <a:ea typeface="+mn-ea"/>
-                        <a:cs typeface="+mn-cs"/>
-                      </a:endParaRPr>
                     </a:p>
                   </a:txBody>
                   <a:tcPr horzOverflow="overflow">
@@ -15507,14 +15126,6 @@
                         </a:rPr>
                         <a:t>Allegade 43, 2000 Frederiskberg</a:t>
                       </a:r>
-                      <a:endParaRPr lang="da-DK" sz="1800" kern="1200" smtClean="0">
-                        <a:solidFill>
-                          <a:schemeClr val="tx1"/>
-                        </a:solidFill>
-                        <a:latin typeface="+mn-lt"/>
-                        <a:ea typeface="+mn-ea"/>
-                        <a:cs typeface="+mn-cs"/>
-                      </a:endParaRPr>
                     </a:p>
                   </a:txBody>
                   <a:tcPr horzOverflow="overflow">
@@ -15595,14 +15206,6 @@
                         </a:rPr>
                         <a:t>3</a:t>
                       </a:r>
-                      <a:endParaRPr lang="da-DK" sz="1800" kern="1200" smtClean="0">
-                        <a:solidFill>
-                          <a:schemeClr val="tx1"/>
-                        </a:solidFill>
-                        <a:latin typeface="+mn-lt"/>
-                        <a:ea typeface="+mn-ea"/>
-                        <a:cs typeface="+mn-cs"/>
-                      </a:endParaRPr>
                     </a:p>
                   </a:txBody>
                   <a:tcPr horzOverflow="overflow">
@@ -15681,14 +15284,6 @@
                         </a:rPr>
                         <a:t>Alex Svensson</a:t>
                       </a:r>
-                      <a:endParaRPr lang="da-DK" sz="1800" kern="1200" smtClean="0">
-                        <a:solidFill>
-                          <a:schemeClr val="tx1"/>
-                        </a:solidFill>
-                        <a:latin typeface="+mn-lt"/>
-                        <a:ea typeface="+mn-ea"/>
-                        <a:cs typeface="+mn-cs"/>
-                      </a:endParaRPr>
                     </a:p>
                   </a:txBody>
                   <a:tcPr horzOverflow="overflow">
@@ -15762,14 +15357,6 @@
                         </a:rPr>
                         <a:t>1</a:t>
                       </a:r>
-                      <a:endParaRPr lang="da-DK" sz="1800" kern="1200" smtClean="0">
-                        <a:solidFill>
-                          <a:schemeClr val="tx1"/>
-                        </a:solidFill>
-                        <a:latin typeface="+mn-lt"/>
-                        <a:ea typeface="+mn-ea"/>
-                        <a:cs typeface="+mn-cs"/>
-                      </a:endParaRPr>
                     </a:p>
                   </a:txBody>
                   <a:tcPr horzOverflow="overflow">
@@ -15924,14 +15511,6 @@
                         </a:rPr>
                         <a:t>4</a:t>
                       </a:r>
-                      <a:endParaRPr lang="da-DK" sz="1800" kern="1200" smtClean="0">
-                        <a:solidFill>
-                          <a:schemeClr val="tx1"/>
-                        </a:solidFill>
-                        <a:latin typeface="+mn-lt"/>
-                        <a:ea typeface="+mn-ea"/>
-                        <a:cs typeface="+mn-cs"/>
-                      </a:endParaRPr>
                     </a:p>
                   </a:txBody>
                   <a:tcPr horzOverflow="overflow">
@@ -16010,14 +15589,6 @@
                         </a:rPr>
                         <a:t>Steven Risch</a:t>
                       </a:r>
-                      <a:endParaRPr lang="da-DK" sz="1800" kern="1200" smtClean="0">
-                        <a:solidFill>
-                          <a:schemeClr val="tx1"/>
-                        </a:solidFill>
-                        <a:latin typeface="+mn-lt"/>
-                        <a:ea typeface="+mn-ea"/>
-                        <a:cs typeface="+mn-cs"/>
-                      </a:endParaRPr>
                     </a:p>
                   </a:txBody>
                   <a:tcPr horzOverflow="overflow">
@@ -16091,14 +15662,6 @@
                         </a:rPr>
                         <a:t>2</a:t>
                       </a:r>
-                      <a:endParaRPr lang="da-DK" sz="1800" kern="1200" smtClean="0">
-                        <a:solidFill>
-                          <a:schemeClr val="tx1"/>
-                        </a:solidFill>
-                        <a:latin typeface="+mn-lt"/>
-                        <a:ea typeface="+mn-ea"/>
-                        <a:cs typeface="+mn-cs"/>
-                      </a:endParaRPr>
                     </a:p>
                   </a:txBody>
                   <a:tcPr horzOverflow="overflow">
@@ -16172,14 +15735,6 @@
                         </a:rPr>
                         <a:t>Allegade 43, 2000 Frederiskberg</a:t>
                       </a:r>
-                      <a:endParaRPr lang="da-DK" sz="1800" kern="1200" smtClean="0">
-                        <a:solidFill>
-                          <a:schemeClr val="tx1"/>
-                        </a:solidFill>
-                        <a:latin typeface="+mn-lt"/>
-                        <a:ea typeface="+mn-ea"/>
-                        <a:cs typeface="+mn-cs"/>
-                      </a:endParaRPr>
                     </a:p>
                   </a:txBody>
                   <a:tcPr horzOverflow="overflow">
@@ -16260,14 +15815,6 @@
                         </a:rPr>
                         <a:t>5</a:t>
                       </a:r>
-                      <a:endParaRPr lang="da-DK" sz="1800" kern="1200" smtClean="0">
-                        <a:solidFill>
-                          <a:schemeClr val="tx1"/>
-                        </a:solidFill>
-                        <a:latin typeface="+mn-lt"/>
-                        <a:ea typeface="+mn-ea"/>
-                        <a:cs typeface="+mn-cs"/>
-                      </a:endParaRPr>
                     </a:p>
                   </a:txBody>
                   <a:tcPr horzOverflow="overflow">
@@ -16346,14 +15893,6 @@
                         </a:rPr>
                         <a:t>Joanne Høegh</a:t>
                       </a:r>
-                      <a:endParaRPr lang="da-DK" sz="1800" kern="1200" smtClean="0">
-                        <a:solidFill>
-                          <a:schemeClr val="tx1"/>
-                        </a:solidFill>
-                        <a:latin typeface="+mn-lt"/>
-                        <a:ea typeface="+mn-ea"/>
-                        <a:cs typeface="+mn-cs"/>
-                      </a:endParaRPr>
                     </a:p>
                   </a:txBody>
                   <a:tcPr horzOverflow="overflow">
@@ -16427,14 +15966,6 @@
                         </a:rPr>
                         <a:t>3</a:t>
                       </a:r>
-                      <a:endParaRPr lang="da-DK" sz="1800" kern="1200" smtClean="0">
-                        <a:solidFill>
-                          <a:schemeClr val="tx1"/>
-                        </a:solidFill>
-                        <a:latin typeface="+mn-lt"/>
-                        <a:ea typeface="+mn-ea"/>
-                        <a:cs typeface="+mn-cs"/>
-                      </a:endParaRPr>
                     </a:p>
                   </a:txBody>
                   <a:tcPr horzOverflow="overflow">
@@ -16508,14 +16039,6 @@
                         </a:rPr>
                         <a:t>Bygaden 11, 2750 Ballerup</a:t>
                       </a:r>
-                      <a:endParaRPr lang="da-DK" sz="1800" kern="1200" smtClean="0">
-                        <a:solidFill>
-                          <a:schemeClr val="tx1"/>
-                        </a:solidFill>
-                        <a:latin typeface="+mn-lt"/>
-                        <a:ea typeface="+mn-ea"/>
-                        <a:cs typeface="+mn-cs"/>
-                      </a:endParaRPr>
                     </a:p>
                   </a:txBody>
                   <a:tcPr horzOverflow="overflow">
@@ -16596,14 +16119,6 @@
                         </a:rPr>
                         <a:t>6</a:t>
                       </a:r>
-                      <a:endParaRPr lang="da-DK" sz="1800" kern="1200" smtClean="0">
-                        <a:solidFill>
-                          <a:schemeClr val="tx1"/>
-                        </a:solidFill>
-                        <a:latin typeface="+mn-lt"/>
-                        <a:ea typeface="+mn-ea"/>
-                        <a:cs typeface="+mn-cs"/>
-                      </a:endParaRPr>
                     </a:p>
                   </a:txBody>
                   <a:tcPr horzOverflow="overflow">
@@ -16682,14 +16197,6 @@
                         </a:rPr>
                         <a:t>Hannah Lind</a:t>
                       </a:r>
-                      <a:endParaRPr lang="da-DK" sz="1800" kern="1200" smtClean="0">
-                        <a:solidFill>
-                          <a:schemeClr val="tx1"/>
-                        </a:solidFill>
-                        <a:latin typeface="+mn-lt"/>
-                        <a:ea typeface="+mn-ea"/>
-                        <a:cs typeface="+mn-cs"/>
-                      </a:endParaRPr>
                     </a:p>
                   </a:txBody>
                   <a:tcPr horzOverflow="overflow">
@@ -16763,14 +16270,6 @@
                         </a:rPr>
                         <a:t>3</a:t>
                       </a:r>
-                      <a:endParaRPr lang="da-DK" sz="1800" kern="1200" smtClean="0">
-                        <a:solidFill>
-                          <a:schemeClr val="tx1"/>
-                        </a:solidFill>
-                        <a:latin typeface="+mn-lt"/>
-                        <a:ea typeface="+mn-ea"/>
-                        <a:cs typeface="+mn-cs"/>
-                      </a:endParaRPr>
                     </a:p>
                   </a:txBody>
                   <a:tcPr horzOverflow="overflow">
@@ -16844,14 +16343,6 @@
                         </a:rPr>
                         <a:t>Bygaden 11, 2750 Ballerup</a:t>
                       </a:r>
-                      <a:endParaRPr lang="da-DK" sz="1800" kern="1200" smtClean="0">
-                        <a:solidFill>
-                          <a:schemeClr val="tx1"/>
-                        </a:solidFill>
-                        <a:latin typeface="+mn-lt"/>
-                        <a:ea typeface="+mn-ea"/>
-                        <a:cs typeface="+mn-cs"/>
-                      </a:endParaRPr>
                     </a:p>
                   </a:txBody>
                   <a:tcPr horzOverflow="overflow">
@@ -16932,14 +16423,6 @@
                         </a:rPr>
                         <a:t>7</a:t>
                       </a:r>
-                      <a:endParaRPr lang="da-DK" sz="1800" kern="1200" smtClean="0">
-                        <a:solidFill>
-                          <a:schemeClr val="tx1"/>
-                        </a:solidFill>
-                        <a:latin typeface="+mn-lt"/>
-                        <a:ea typeface="+mn-ea"/>
-                        <a:cs typeface="+mn-cs"/>
-                      </a:endParaRPr>
                     </a:p>
                   </a:txBody>
                   <a:tcPr horzOverflow="overflow">
@@ -17018,14 +16501,6 @@
                         </a:rPr>
                         <a:t>Susanne Larsen</a:t>
                       </a:r>
-                      <a:endParaRPr lang="da-DK" sz="1800" kern="1200" smtClean="0">
-                        <a:solidFill>
-                          <a:schemeClr val="tx1"/>
-                        </a:solidFill>
-                        <a:latin typeface="+mn-lt"/>
-                        <a:ea typeface="+mn-ea"/>
-                        <a:cs typeface="+mn-cs"/>
-                      </a:endParaRPr>
                     </a:p>
                   </a:txBody>
                   <a:tcPr horzOverflow="overflow">
@@ -17099,14 +16574,6 @@
                         </a:rPr>
                         <a:t>1</a:t>
                       </a:r>
-                      <a:endParaRPr lang="da-DK" sz="1800" kern="1200" smtClean="0">
-                        <a:solidFill>
-                          <a:schemeClr val="tx1"/>
-                        </a:solidFill>
-                        <a:latin typeface="+mn-lt"/>
-                        <a:ea typeface="+mn-ea"/>
-                        <a:cs typeface="+mn-cs"/>
-                      </a:endParaRPr>
                     </a:p>
                   </a:txBody>
                   <a:tcPr horzOverflow="overflow">
@@ -17242,13 +16709,13 @@
   <p:clrMapOvr>
     <a:masterClrMapping/>
   </p:clrMapOvr>
-  <mc:AlternateContent xmlns:mc="http://schemas.openxmlformats.org/markup-compatibility/2006">
-    <mc:Choice xmlns:p14="http://schemas.microsoft.com/office/powerpoint/2010/main" Requires="p14">
+  <mc:AlternateContent xmlns:mc="http://schemas.openxmlformats.org/markup-compatibility/2006" xmlns:p14="http://schemas.microsoft.com/office/powerpoint/2010/main">
+    <mc:Choice Requires="p14">
       <p:transition spd="med" p14:dur="700">
         <p:fade/>
       </p:transition>
     </mc:Choice>
-    <mc:Fallback>
+    <mc:Fallback xmlns="">
       <p:transition spd="med">
         <p:fade/>
       </p:transition>
@@ -17373,7 +16840,6 @@
               <a:rPr lang="da-DK" sz="3200" smtClean="0"/>
               <a:t>a database is thus the process of ensuring that all tables obey the rules from the normal forms</a:t>
             </a:r>
-            <a:endParaRPr lang="da-DK" sz="3200" smtClean="0"/>
           </a:p>
         </p:txBody>
       </p:sp>
@@ -17527,6 +16993,35 @@
           <a:p>
             <a:pPr algn="ctr"/>
             <a:endParaRPr lang="da-DK"/>
+          </a:p>
+        </p:txBody>
+      </p:sp>
+      <p:sp>
+        <p:nvSpPr>
+          <p:cNvPr id="2" name="Tekstfelt 1"/>
+          <p:cNvSpPr txBox="1"/>
+          <p:nvPr/>
+        </p:nvSpPr>
+        <p:spPr>
+          <a:xfrm>
+            <a:off x="3435015" y="5636794"/>
+            <a:ext cx="5459893" cy="369332"/>
+          </a:xfrm>
+          <a:prstGeom prst="rect">
+            <a:avLst/>
+          </a:prstGeom>
+          <a:noFill/>
+        </p:spPr>
+        <p:txBody>
+          <a:bodyPr wrap="none" rtlCol="0">
+            <a:spAutoFit/>
+          </a:bodyPr>
+          <a:lstStyle/>
+          <a:p>
+            <a:r>
+              <a:rPr lang="da-DK" b="1"/>
+              <a:t>https://en.wikipedia.org/wiki/Database_normalization</a:t>
+            </a:r>
           </a:p>
         </p:txBody>
       </p:sp>
@@ -17764,7 +17259,6 @@
               <a:rPr lang="da-DK" sz="3200" smtClean="0"/>
               <a:t> values</a:t>
             </a:r>
-            <a:endParaRPr lang="da-DK" sz="3200" smtClean="0"/>
           </a:p>
         </p:txBody>
       </p:sp>
@@ -17777,7 +17271,7 @@
           <p:nvPr>
             <p:extLst>
               <p:ext uri="{D42A27DB-BD31-4B8C-83A1-F6EECF244321}">
-                <p14:modId xmlns:p14="http://schemas.microsoft.com/office/powerpoint/2010/main" val="811005580"/>
+                <p14:modId xmlns:p14="http://schemas.microsoft.com/office/powerpoint/2010/main" val="4292372297"/>
               </p:ext>
             </p:extLst>
           </p:nvPr>
@@ -17988,7 +17482,7 @@
                       <a:pPr algn="ctr"/>
                       <a:r>
                         <a:rPr lang="da-DK" sz="2400" b="1" smtClean="0"/>
-                        <a:t>employee_id</a:t>
+                        <a:t>id</a:t>
                       </a:r>
                       <a:endParaRPr lang="da-DK" sz="2400" b="1"/>
                     </a:p>
@@ -18417,14 +17911,6 @@
                         </a:rPr>
                         <a:t>2</a:t>
                       </a:r>
-                      <a:endParaRPr lang="da-DK" sz="1800" kern="1200" smtClean="0">
-                        <a:solidFill>
-                          <a:schemeClr val="tx1"/>
-                        </a:solidFill>
-                        <a:latin typeface="+mn-lt"/>
-                        <a:ea typeface="+mn-ea"/>
-                        <a:cs typeface="+mn-cs"/>
-                      </a:endParaRPr>
                     </a:p>
                   </a:txBody>
                   <a:tcPr horzOverflow="overflow">
@@ -18503,14 +17989,6 @@
                         </a:rPr>
                         <a:t>Mira Holm</a:t>
                       </a:r>
-                      <a:endParaRPr lang="da-DK" sz="1800" kern="1200" smtClean="0">
-                        <a:solidFill>
-                          <a:schemeClr val="tx1"/>
-                        </a:solidFill>
-                        <a:latin typeface="+mn-lt"/>
-                        <a:ea typeface="+mn-ea"/>
-                        <a:cs typeface="+mn-cs"/>
-                      </a:endParaRPr>
                     </a:p>
                   </a:txBody>
                   <a:tcPr horzOverflow="overflow">
@@ -18584,14 +18062,6 @@
                         </a:rPr>
                         <a:t>56712341, 22009836, 21213450</a:t>
                       </a:r>
-                      <a:endParaRPr lang="da-DK" sz="1800" kern="1200" smtClean="0">
-                        <a:solidFill>
-                          <a:schemeClr val="tx1"/>
-                        </a:solidFill>
-                        <a:latin typeface="+mn-lt"/>
-                        <a:ea typeface="+mn-ea"/>
-                        <a:cs typeface="+mn-cs"/>
-                      </a:endParaRPr>
                     </a:p>
                   </a:txBody>
                   <a:tcPr horzOverflow="overflow">
@@ -18672,14 +18142,6 @@
                         </a:rPr>
                         <a:t>3</a:t>
                       </a:r>
-                      <a:endParaRPr lang="da-DK" sz="1800" kern="1200" smtClean="0">
-                        <a:solidFill>
-                          <a:schemeClr val="tx1"/>
-                        </a:solidFill>
-                        <a:latin typeface="+mn-lt"/>
-                        <a:ea typeface="+mn-ea"/>
-                        <a:cs typeface="+mn-cs"/>
-                      </a:endParaRPr>
                     </a:p>
                   </a:txBody>
                   <a:tcPr horzOverflow="overflow">
@@ -18758,14 +18220,6 @@
                         </a:rPr>
                         <a:t>Alex Svensson</a:t>
                       </a:r>
-                      <a:endParaRPr lang="da-DK" sz="1800" kern="1200" smtClean="0">
-                        <a:solidFill>
-                          <a:schemeClr val="tx1"/>
-                        </a:solidFill>
-                        <a:latin typeface="+mn-lt"/>
-                        <a:ea typeface="+mn-ea"/>
-                        <a:cs typeface="+mn-cs"/>
-                      </a:endParaRPr>
                     </a:p>
                   </a:txBody>
                   <a:tcPr horzOverflow="overflow">
@@ -19262,7 +18716,6 @@
               <a:rPr lang="da-DK" sz="3200" smtClean="0"/>
               <a:t> values</a:t>
             </a:r>
-            <a:endParaRPr lang="da-DK" sz="3200" smtClean="0"/>
           </a:p>
         </p:txBody>
       </p:sp>
@@ -19275,7 +18728,7 @@
           <p:nvPr>
             <p:extLst>
               <p:ext uri="{D42A27DB-BD31-4B8C-83A1-F6EECF244321}">
-                <p14:modId xmlns:p14="http://schemas.microsoft.com/office/powerpoint/2010/main" val="4260606162"/>
+                <p14:modId xmlns:p14="http://schemas.microsoft.com/office/powerpoint/2010/main" val="840945286"/>
               </p:ext>
             </p:extLst>
           </p:nvPr>
@@ -19422,7 +18875,7 @@
                       <a:pPr algn="ctr"/>
                       <a:r>
                         <a:rPr lang="da-DK" sz="2400" b="1" smtClean="0"/>
-                        <a:t>employee_id</a:t>
+                        <a:t>id</a:t>
                       </a:r>
                       <a:endParaRPr lang="da-DK" sz="2400" b="1"/>
                     </a:p>
@@ -19991,7 +19444,7 @@
           <p:nvPr>
             <p:extLst>
               <p:ext uri="{D42A27DB-BD31-4B8C-83A1-F6EECF244321}">
-                <p14:modId xmlns:p14="http://schemas.microsoft.com/office/powerpoint/2010/main" val="1973745893"/>
+                <p14:modId xmlns:p14="http://schemas.microsoft.com/office/powerpoint/2010/main" val="2083676933"/>
               </p:ext>
             </p:extLst>
           </p:nvPr>
@@ -20138,7 +19591,7 @@
                       <a:pPr algn="ctr"/>
                       <a:r>
                         <a:rPr lang="da-DK" sz="2400" b="1" smtClean="0"/>
-                        <a:t>employee_id</a:t>
+                        <a:t>id</a:t>
                       </a:r>
                       <a:endParaRPr lang="da-DK" sz="2400" b="1"/>
                     </a:p>
@@ -20433,14 +19886,6 @@
                         </a:rPr>
                         <a:t>1</a:t>
                       </a:r>
-                      <a:endParaRPr lang="da-DK" sz="1800" kern="1200" smtClean="0">
-                        <a:solidFill>
-                          <a:schemeClr val="tx1"/>
-                        </a:solidFill>
-                        <a:latin typeface="+mn-lt"/>
-                        <a:ea typeface="+mn-ea"/>
-                        <a:cs typeface="+mn-cs"/>
-                      </a:endParaRPr>
                     </a:p>
                   </a:txBody>
                   <a:tcPr horzOverflow="overflow">
@@ -20605,14 +20050,6 @@
                         </a:rPr>
                         <a:t>1</a:t>
                       </a:r>
-                      <a:endParaRPr lang="da-DK" sz="1800" kern="1200" smtClean="0">
-                        <a:solidFill>
-                          <a:schemeClr val="tx1"/>
-                        </a:solidFill>
-                        <a:latin typeface="+mn-lt"/>
-                        <a:ea typeface="+mn-ea"/>
-                        <a:cs typeface="+mn-cs"/>
-                      </a:endParaRPr>
                     </a:p>
                   </a:txBody>
                   <a:tcPr horzOverflow="overflow">
@@ -20777,14 +20214,6 @@
                         </a:rPr>
                         <a:t>2</a:t>
                       </a:r>
-                      <a:endParaRPr lang="da-DK" sz="1800" kern="1200" smtClean="0">
-                        <a:solidFill>
-                          <a:schemeClr val="tx1"/>
-                        </a:solidFill>
-                        <a:latin typeface="+mn-lt"/>
-                        <a:ea typeface="+mn-ea"/>
-                        <a:cs typeface="+mn-cs"/>
-                      </a:endParaRPr>
                     </a:p>
                   </a:txBody>
                   <a:tcPr horzOverflow="overflow">
@@ -20949,14 +20378,6 @@
                         </a:rPr>
                         <a:t>2</a:t>
                       </a:r>
-                      <a:endParaRPr lang="da-DK" sz="1800" kern="1200" smtClean="0">
-                        <a:solidFill>
-                          <a:schemeClr val="tx1"/>
-                        </a:solidFill>
-                        <a:latin typeface="+mn-lt"/>
-                        <a:ea typeface="+mn-ea"/>
-                        <a:cs typeface="+mn-cs"/>
-                      </a:endParaRPr>
                     </a:p>
                   </a:txBody>
                   <a:tcPr horzOverflow="overflow">
@@ -21121,14 +20542,6 @@
                         </a:rPr>
                         <a:t>2</a:t>
                       </a:r>
-                      <a:endParaRPr lang="da-DK" sz="1800" kern="1200" smtClean="0">
-                        <a:solidFill>
-                          <a:schemeClr val="tx1"/>
-                        </a:solidFill>
-                        <a:latin typeface="+mn-lt"/>
-                        <a:ea typeface="+mn-ea"/>
-                        <a:cs typeface="+mn-cs"/>
-                      </a:endParaRPr>
                     </a:p>
                   </a:txBody>
                   <a:tcPr horzOverflow="overflow">
@@ -21293,14 +20706,6 @@
                         </a:rPr>
                         <a:t>3</a:t>
                       </a:r>
-                      <a:endParaRPr lang="da-DK" sz="1800" kern="1200" smtClean="0">
-                        <a:solidFill>
-                          <a:schemeClr val="tx1"/>
-                        </a:solidFill>
-                        <a:latin typeface="+mn-lt"/>
-                        <a:ea typeface="+mn-ea"/>
-                        <a:cs typeface="+mn-cs"/>
-                      </a:endParaRPr>
                     </a:p>
                   </a:txBody>
                   <a:tcPr horzOverflow="overflow">
@@ -21465,14 +20870,6 @@
                         </a:rPr>
                         <a:t>3</a:t>
                       </a:r>
-                      <a:endParaRPr lang="da-DK" sz="1800" kern="1200" smtClean="0">
-                        <a:solidFill>
-                          <a:schemeClr val="tx1"/>
-                        </a:solidFill>
-                        <a:latin typeface="+mn-lt"/>
-                        <a:ea typeface="+mn-ea"/>
-                        <a:cs typeface="+mn-cs"/>
-                      </a:endParaRPr>
                     </a:p>
                   </a:txBody>
                   <a:tcPr horzOverflow="overflow">
@@ -21659,13 +21056,13 @@
   <p:clrMapOvr>
     <a:masterClrMapping/>
   </p:clrMapOvr>
-  <mc:AlternateContent xmlns:mc="http://schemas.openxmlformats.org/markup-compatibility/2006">
-    <mc:Choice xmlns:p14="http://schemas.microsoft.com/office/powerpoint/2010/main" Requires="p14">
+  <mc:AlternateContent xmlns:mc="http://schemas.openxmlformats.org/markup-compatibility/2006" xmlns:p14="http://schemas.microsoft.com/office/powerpoint/2010/main">
+    <mc:Choice Requires="p14">
       <p:transition spd="med" p14:dur="700">
         <p:fade/>
       </p:transition>
     </mc:Choice>
-    <mc:Fallback>
+    <mc:Fallback xmlns="">
       <p:transition spd="med">
         <p:fade/>
       </p:transition>
